--- a/output/data_viz_2020_09_23.pptx
+++ b/output/data_viz_2020_09_23.pptx
@@ -257,7 +257,7 @@
           <a:ln/>
           <a:extLst>
             <a:ext uri="{91240B29-F687-4f45-9708-019B960494DF}">
-              <a14:hiddenLine xmlns:a14="http://schemas.microsoft.com/office/drawing/2010/main" xmlns="" w="9525">
+              <a14:hiddenLine xmlns="" xmlns:a14="http://schemas.microsoft.com/office/drawing/2010/main" w="9525">
                 <a:solidFill>
                   <a:srgbClr val="000000"/>
                 </a:solidFill>
@@ -1778,7 +1778,7 @@
           <a:ln/>
           <a:extLst>
             <a:ext uri="{91240B29-F687-4f45-9708-019B960494DF}">
-              <a14:hiddenLine xmlns:a14="http://schemas.microsoft.com/office/drawing/2010/main" xmlns="" w="9525">
+              <a14:hiddenLine xmlns="" xmlns:a14="http://schemas.microsoft.com/office/drawing/2010/main" w="9525">
                 <a:solidFill>
                   <a:srgbClr val="000000"/>
                 </a:solidFill>
@@ -2053,7 +2053,7 @@
           <a:ln/>
           <a:extLst>
             <a:ext uri="{91240B29-F687-4f45-9708-019B960494DF}">
-              <a14:hiddenLine xmlns:a14="http://schemas.microsoft.com/office/drawing/2010/main" xmlns="" w="9525">
+              <a14:hiddenLine xmlns="" xmlns:a14="http://schemas.microsoft.com/office/drawing/2010/main" w="9525">
                 <a:solidFill>
                   <a:srgbClr val="000000"/>
                 </a:solidFill>
@@ -2338,7 +2338,7 @@
           </a:ln>
           <a:extLst>
             <a:ext uri="{91240B29-F687-4f45-9708-019B960494DF}">
-              <a14:hiddenLine xmlns:a14="http://schemas.microsoft.com/office/drawing/2010/main" xmlns="" w="9525">
+              <a14:hiddenLine xmlns="" xmlns:a14="http://schemas.microsoft.com/office/drawing/2010/main" w="9525">
                 <a:solidFill>
                   <a:srgbClr val="000000"/>
                 </a:solidFill>
@@ -3102,7 +3102,7 @@
           <a:ln/>
           <a:extLst>
             <a:ext uri="{91240B29-F687-4f45-9708-019B960494DF}">
-              <a14:hiddenLine xmlns:a14="http://schemas.microsoft.com/office/drawing/2010/main" xmlns="" w="9525">
+              <a14:hiddenLine xmlns="" xmlns:a14="http://schemas.microsoft.com/office/drawing/2010/main" w="9525">
                 <a:solidFill>
                   <a:srgbClr val="000000"/>
                 </a:solidFill>
@@ -3657,7 +3657,7 @@
           </a:ln>
           <a:extLst>
             <a:ext uri="{91240B29-F687-4f45-9708-019B960494DF}">
-              <a14:hiddenLine xmlns:a14="http://schemas.microsoft.com/office/drawing/2010/main" xmlns="" w="9525">
+              <a14:hiddenLine xmlns="" xmlns:a14="http://schemas.microsoft.com/office/drawing/2010/main" w="9525">
                 <a:solidFill>
                   <a:srgbClr val="000000"/>
                 </a:solidFill>
@@ -3896,7 +3896,7 @@
           <a:ln/>
           <a:extLst>
             <a:ext uri="{91240B29-F687-4f45-9708-019B960494DF}">
-              <a14:hiddenLine xmlns:a14="http://schemas.microsoft.com/office/drawing/2010/main" xmlns="" w="9525">
+              <a14:hiddenLine xmlns="" xmlns:a14="http://schemas.microsoft.com/office/drawing/2010/main" w="9525">
                 <a:solidFill>
                   <a:srgbClr val="000000"/>
                 </a:solidFill>
@@ -4270,7 +4270,7 @@
           <a:ln/>
           <a:extLst>
             <a:ext uri="{91240B29-F687-4f45-9708-019B960494DF}">
-              <a14:hiddenLine xmlns:a14="http://schemas.microsoft.com/office/drawing/2010/main" xmlns="" w="9525">
+              <a14:hiddenLine xmlns="" xmlns:a14="http://schemas.microsoft.com/office/drawing/2010/main" w="9525">
                 <a:solidFill>
                   <a:srgbClr val="000000"/>
                 </a:solidFill>
@@ -8386,8 +8386,8 @@
         </p:nvSpPr>
         <p:spPr>
           <a:xfrm>
-            <a:off x="-741678" y="1222401"/>
-            <a:ext cx="10236551" cy="1329413"/>
+            <a:off x="-762699" y="1884553"/>
+            <a:ext cx="11851082" cy="1329413"/>
           </a:xfrm>
           <a:noFill/>
         </p:spPr>
@@ -8405,7 +8405,7 @@
         </p:style>
         <p:txBody>
           <a:bodyPr>
-            <a:normAutofit/>
+            <a:noAutofit/>
           </a:bodyPr>
           <a:lstStyle/>
           <a:p>
@@ -8413,7 +8413,7 @@
               <a:buNone/>
             </a:pPr>
             <a:r>
-              <a:rPr lang="en-US" b="1" dirty="0" err="1">
+              <a:rPr lang="en-US" sz="2400" b="1" dirty="0" err="1">
                 <a:solidFill>
                   <a:srgbClr val="007020"/>
                 </a:solidFill>
@@ -8422,13 +8422,13 @@
               <a:t>ggplot</a:t>
             </a:r>
             <a:r>
-              <a:rPr lang="en-US" dirty="0">
+              <a:rPr lang="en-US" sz="2400" dirty="0">
                 <a:latin typeface="Courier"/>
               </a:rPr>
               <a:t>(mpg, </a:t>
             </a:r>
             <a:r>
-              <a:rPr lang="en-US" b="1" dirty="0" err="1">
+              <a:rPr lang="en-US" sz="2400" b="1" dirty="0" err="1">
                 <a:solidFill>
                   <a:srgbClr val="007020"/>
                 </a:solidFill>
@@ -8437,13 +8437,13 @@
               <a:t>aes</a:t>
             </a:r>
             <a:r>
-              <a:rPr lang="en-US" dirty="0">
+              <a:rPr lang="en-US" sz="2400" dirty="0">
                 <a:latin typeface="Courier"/>
               </a:rPr>
               <a:t>(y = manufacturer, </a:t>
             </a:r>
             <a:r>
-              <a:rPr lang="en-US" dirty="0">
+              <a:rPr lang="en-US" sz="2400" dirty="0">
                 <a:solidFill>
                   <a:srgbClr val="902000"/>
                 </a:solidFill>
@@ -8455,7 +8455,7 @@
               <a:t>fill =</a:t>
             </a:r>
             <a:r>
-              <a:rPr lang="en-US" dirty="0">
+              <a:rPr lang="en-US" sz="2400" dirty="0">
                 <a:highlight>
                   <a:srgbClr val="FFFF00"/>
                 </a:highlight>
@@ -8464,7 +8464,7 @@
               <a:t> (</a:t>
             </a:r>
             <a:r>
-              <a:rPr lang="en-US" dirty="0" err="1">
+              <a:rPr lang="en-US" sz="2400" dirty="0" err="1">
                 <a:highlight>
                   <a:srgbClr val="FFFF00"/>
                 </a:highlight>
@@ -8473,7 +8473,7 @@
               <a:t>cyl</a:t>
             </a:r>
             <a:r>
-              <a:rPr lang="en-US" dirty="0">
+              <a:rPr lang="en-US" sz="2400" dirty="0">
                 <a:highlight>
                   <a:srgbClr val="FFFF00"/>
                 </a:highlight>
@@ -8482,7 +8482,7 @@
               <a:t> </a:t>
             </a:r>
             <a:r>
-              <a:rPr lang="en-US" dirty="0">
+              <a:rPr lang="en-US" sz="2400" dirty="0">
                 <a:solidFill>
                   <a:srgbClr val="666666"/>
                 </a:solidFill>
@@ -8494,7 +8494,7 @@
               <a:t>==</a:t>
             </a:r>
             <a:r>
-              <a:rPr lang="en-US" dirty="0">
+              <a:rPr lang="en-US" sz="2400" dirty="0">
                 <a:solidFill>
                   <a:srgbClr val="4070A0"/>
                 </a:solidFill>
@@ -8506,7 +8506,7 @@
               <a:t> </a:t>
             </a:r>
             <a:r>
-              <a:rPr lang="en-US" dirty="0">
+              <a:rPr lang="en-US" sz="2400" dirty="0">
                 <a:solidFill>
                   <a:srgbClr val="40A070"/>
                 </a:solidFill>
@@ -8518,7 +8518,7 @@
               <a:t>8</a:t>
             </a:r>
             <a:r>
-              <a:rPr lang="en-US" dirty="0">
+              <a:rPr lang="en-US" sz="2400" dirty="0">
                 <a:highlight>
                   <a:srgbClr val="FFFF00"/>
                 </a:highlight>
@@ -8527,13 +8527,13 @@
               <a:t>)</a:t>
             </a:r>
             <a:r>
-              <a:rPr lang="en-US" dirty="0">
+              <a:rPr lang="en-US" sz="2400" dirty="0">
                 <a:latin typeface="Courier"/>
               </a:rPr>
               <a:t>)) </a:t>
             </a:r>
             <a:r>
-              <a:rPr lang="en-US" dirty="0">
+              <a:rPr lang="en-US" sz="2400" dirty="0">
                 <a:solidFill>
                   <a:srgbClr val="666666"/>
                 </a:solidFill>
@@ -8542,10 +8542,10 @@
               <a:t>+</a:t>
             </a:r>
             <a:br>
-              <a:rPr lang="en-US" dirty="0"/>
+              <a:rPr lang="en-US" sz="2400" dirty="0"/>
             </a:br>
             <a:r>
-              <a:rPr lang="en-US" dirty="0">
+              <a:rPr lang="en-US" sz="2400" dirty="0">
                 <a:solidFill>
                   <a:srgbClr val="4070A0"/>
                 </a:solidFill>
@@ -8554,7 +8554,7 @@
               <a:t>  </a:t>
             </a:r>
             <a:r>
-              <a:rPr lang="en-US" b="1" dirty="0" err="1">
+              <a:rPr lang="en-US" sz="2400" b="1" dirty="0" err="1">
                 <a:solidFill>
                   <a:srgbClr val="007020"/>
                 </a:solidFill>
@@ -8563,7 +8563,7 @@
               <a:t>geom_bar</a:t>
             </a:r>
             <a:r>
-              <a:rPr lang="en-US" dirty="0">
+              <a:rPr lang="en-US" sz="2400" dirty="0">
                 <a:latin typeface="Courier"/>
               </a:rPr>
               <a:t>()</a:t>
@@ -8593,8 +8593,8 @@
         </p:blipFill>
         <p:spPr bwMode="auto">
           <a:xfrm>
-            <a:off x="6096000" y="2089777"/>
-            <a:ext cx="5753947" cy="4600443"/>
+            <a:off x="4183117" y="2732690"/>
+            <a:ext cx="4791615" cy="3831032"/>
           </a:xfrm>
           <a:prstGeom prst="rect">
             <a:avLst/>
@@ -8681,7 +8681,7 @@
         </p:nvSpPr>
         <p:spPr>
           <a:xfrm>
-            <a:off x="-956697" y="1513828"/>
+            <a:off x="-1177415" y="1524338"/>
             <a:ext cx="10563285" cy="2969227"/>
           </a:xfrm>
           <a:noFill/>
@@ -9008,7 +9008,19 @@
               <a:rPr dirty="0">
                 <a:latin typeface="Courier"/>
               </a:rPr>
-              <a:t>(manufacturer, </a:t>
+              <a:t>(</a:t>
+            </a:r>
+            <a:r>
+              <a:rPr lang="en-US" dirty="0">
+                <a:latin typeface="Courier"/>
+              </a:rPr>
+              <a:t>y = </a:t>
+            </a:r>
+            <a:r>
+              <a:rPr dirty="0">
+                <a:latin typeface="Courier"/>
+              </a:rPr>
+              <a:t>manufacturer, </a:t>
             </a:r>
             <a:r>
               <a:rPr dirty="0">
@@ -9069,42 +9081,6 @@
                 <a:latin typeface="Courier"/>
               </a:rPr>
               <a:t>geom_bar</a:t>
-            </a:r>
-            <a:r>
-              <a:rPr dirty="0">
-                <a:latin typeface="Courier"/>
-              </a:rPr>
-              <a:t>() </a:t>
-            </a:r>
-            <a:r>
-              <a:rPr dirty="0">
-                <a:solidFill>
-                  <a:srgbClr val="666666"/>
-                </a:solidFill>
-                <a:latin typeface="Courier"/>
-              </a:rPr>
-              <a:t>+</a:t>
-            </a:r>
-            <a:br>
-              <a:rPr dirty="0"/>
-            </a:br>
-            <a:r>
-              <a:rPr dirty="0">
-                <a:solidFill>
-                  <a:srgbClr val="4070A0"/>
-                </a:solidFill>
-                <a:latin typeface="Courier"/>
-              </a:rPr>
-              <a:t>  </a:t>
-            </a:r>
-            <a:r>
-              <a:rPr b="1" dirty="0" err="1">
-                <a:solidFill>
-                  <a:srgbClr val="007020"/>
-                </a:solidFill>
-                <a:latin typeface="Courier"/>
-              </a:rPr>
-              <a:t>coord_flip</a:t>
             </a:r>
             <a:r>
               <a:rPr dirty="0">
@@ -9137,7 +9113,7 @@
         </p:blipFill>
         <p:spPr bwMode="auto">
           <a:xfrm>
-            <a:off x="7360841" y="1915725"/>
+            <a:off x="7613089" y="1926235"/>
             <a:ext cx="4705350" cy="3762061"/>
           </a:xfrm>
           <a:prstGeom prst="rect">
